--- a/L5.pptx
+++ b/L5.pptx
@@ -2941,8 +2941,12 @@
           <a:lstStyle/>
           <a:p>
             <a:r>
+              <a:rPr lang="en-US"/>
+              <a:t>Lecture 5: </a:t>
+            </a:r>
+            <a:r>
               <a:rPr lang="en-US" dirty="0"/>
-              <a:t>Lecture 3: Self-Attention and Transformers</a:t>
+              <a:t>Self-Attention and Transformers</a:t>
             </a:r>
           </a:p>
         </p:txBody>
